--- a/workflow.pptx
+++ b/workflow.pptx
@@ -104,6 +104,22 @@
       </a:defRPr>
     </a:lvl9pPr>
   </p:defaultTextStyle>
+  <p:extLst>
+    <p:ext uri="{EFAFB233-063F-42B5-8137-9DF3F51BA10A}">
+      <p15:sldGuideLst xmlns:p15="http://schemas.microsoft.com/office/powerpoint/2012/main">
+        <p15:guide id="1" orient="horz" pos="2342">
+          <p15:clr>
+            <a:srgbClr val="A4A3A4"/>
+          </p15:clr>
+        </p15:guide>
+        <p15:guide id="2" pos="5746">
+          <p15:clr>
+            <a:srgbClr val="A4A3A4"/>
+          </p15:clr>
+        </p15:guide>
+      </p15:sldGuideLst>
+    </p:ext>
+  </p:extLst>
 </p:presentation>
 </file>
 
@@ -3123,7 +3139,7 @@
           <p:spPr>
             <a:xfrm>
               <a:off x="4117660" y="-21025"/>
-              <a:ext cx="2136241" cy="892552"/>
+              <a:ext cx="2136241" cy="1015663"/>
             </a:xfrm>
             <a:prstGeom prst="rect">
               <a:avLst/>
@@ -3138,7 +3154,7 @@
             <a:p>
               <a:pPr algn="ctr"/>
               <a:r>
-                <a:rPr lang="en-US" sz="2600" dirty="0" err="1" smtClean="0">
+                <a:rPr lang="en-US" sz="3000" dirty="0" err="1" smtClean="0">
                   <a:solidFill>
                     <a:srgbClr val="238B45"/>
                   </a:solidFill>
@@ -3146,14 +3162,14 @@
                 <a:t>MetaTract</a:t>
               </a:r>
               <a:r>
-                <a:rPr lang="en-US" sz="2600" dirty="0" smtClean="0">
+                <a:rPr lang="en-US" sz="3000" dirty="0" smtClean="0">
                   <a:solidFill>
                     <a:srgbClr val="238B45"/>
                   </a:solidFill>
                 </a:rPr>
                 <a:t> Generation</a:t>
               </a:r>
-              <a:endParaRPr lang="en-US" sz="2600" dirty="0">
+              <a:endParaRPr lang="en-US" sz="3000" dirty="0">
                 <a:solidFill>
                   <a:srgbClr val="238B45"/>
                 </a:solidFill>
@@ -3302,7 +3318,7 @@
         <p:spPr>
           <a:xfrm>
             <a:off x="3180583" y="5590005"/>
-            <a:ext cx="2136241" cy="892552"/>
+            <a:ext cx="2136241" cy="1015663"/>
           </a:xfrm>
           <a:prstGeom prst="rect">
             <a:avLst/>
@@ -3317,14 +3333,14 @@
           <a:p>
             <a:pPr algn="ctr"/>
             <a:r>
-              <a:rPr lang="en-US" sz="2600" dirty="0" smtClean="0">
+              <a:rPr lang="en-US" sz="3000" dirty="0" smtClean="0">
                 <a:solidFill>
                   <a:srgbClr val="238B45"/>
                 </a:solidFill>
               </a:rPr>
               <a:t>Reliable Hessians</a:t>
             </a:r>
-            <a:endParaRPr lang="en-US" sz="2600" dirty="0">
+            <a:endParaRPr lang="en-US" sz="3000" dirty="0">
               <a:solidFill>
                 <a:srgbClr val="238B45"/>
               </a:solidFill>
@@ -3472,7 +3488,7 @@
         <p:spPr>
           <a:xfrm>
             <a:off x="13651178" y="5590005"/>
-            <a:ext cx="2136240" cy="892552"/>
+            <a:ext cx="2136240" cy="1015663"/>
           </a:xfrm>
           <a:prstGeom prst="rect">
             <a:avLst/>
@@ -3487,14 +3503,14 @@
           <a:p>
             <a:pPr algn="ctr"/>
             <a:r>
-              <a:rPr lang="en-US" sz="2600" dirty="0" smtClean="0">
+              <a:rPr lang="en-US" sz="3000" dirty="0" smtClean="0">
                 <a:solidFill>
                   <a:srgbClr val="238B45"/>
                 </a:solidFill>
               </a:rPr>
               <a:t>Volume Visualization</a:t>
             </a:r>
-            <a:endParaRPr lang="en-US" sz="2600" dirty="0">
+            <a:endParaRPr lang="en-US" sz="3000" dirty="0">
               <a:solidFill>
                 <a:srgbClr val="238B45"/>
               </a:solidFill>
@@ -4636,7 +4652,7 @@
         <p:spPr>
           <a:xfrm>
             <a:off x="8415879" y="5590005"/>
-            <a:ext cx="2136241" cy="892552"/>
+            <a:ext cx="2136241" cy="1015663"/>
           </a:xfrm>
           <a:prstGeom prst="rect">
             <a:avLst/>
@@ -4651,7 +4667,7 @@
           <a:p>
             <a:pPr algn="ctr"/>
             <a:r>
-              <a:rPr lang="en-US" sz="2600" dirty="0" smtClean="0">
+              <a:rPr lang="en-US" sz="3000" dirty="0" smtClean="0">
                 <a:solidFill>
                   <a:srgbClr val="238B45"/>
                 </a:solidFill>
@@ -4662,14 +4678,14 @@
           <a:p>
             <a:pPr algn="ctr"/>
             <a:r>
-              <a:rPr lang="en-US" sz="2600" dirty="0" smtClean="0">
+              <a:rPr lang="en-US" sz="3000" dirty="0" smtClean="0">
                 <a:solidFill>
                   <a:srgbClr val="238B45"/>
                 </a:solidFill>
               </a:rPr>
               <a:t>Clustering</a:t>
             </a:r>
-            <a:endParaRPr lang="en-US" sz="2600" dirty="0">
+            <a:endParaRPr lang="en-US" sz="3000" dirty="0">
               <a:solidFill>
                 <a:srgbClr val="238B45"/>
               </a:solidFill>
@@ -5402,7 +5418,7 @@
         <p:spPr>
           <a:xfrm>
             <a:off x="10873059" y="5590005"/>
-            <a:ext cx="2136241" cy="892552"/>
+            <a:ext cx="2136241" cy="1015663"/>
           </a:xfrm>
           <a:prstGeom prst="rect">
             <a:avLst/>
@@ -5417,14 +5433,14 @@
           <a:p>
             <a:pPr algn="ctr"/>
             <a:r>
-              <a:rPr lang="en-US" sz="2600" dirty="0" smtClean="0">
+              <a:rPr lang="en-US" sz="3000" dirty="0" smtClean="0">
                 <a:solidFill>
                   <a:srgbClr val="238B45"/>
                 </a:solidFill>
               </a:rPr>
               <a:t>Hierarchical Clustering</a:t>
             </a:r>
-            <a:endParaRPr lang="en-US" sz="2600" dirty="0">
+            <a:endParaRPr lang="en-US" sz="3000" dirty="0">
               <a:solidFill>
                 <a:srgbClr val="238B45"/>
               </a:solidFill>
@@ -6442,7 +6458,7 @@
         <p:spPr>
           <a:xfrm>
             <a:off x="16108358" y="5628104"/>
-            <a:ext cx="2136240" cy="892552"/>
+            <a:ext cx="2136240" cy="1015663"/>
           </a:xfrm>
           <a:prstGeom prst="rect">
             <a:avLst/>
@@ -6457,14 +6473,14 @@
           <a:p>
             <a:pPr algn="ctr"/>
             <a:r>
-              <a:rPr lang="en-US" sz="2600" dirty="0" smtClean="0">
+              <a:rPr lang="en-US" sz="3000" dirty="0" smtClean="0">
                 <a:solidFill>
                   <a:srgbClr val="238B45"/>
                 </a:solidFill>
               </a:rPr>
               <a:t>Surface Extraction</a:t>
             </a:r>
-            <a:endParaRPr lang="en-US" sz="2600" dirty="0">
+            <a:endParaRPr lang="en-US" sz="3000" dirty="0">
               <a:solidFill>
                 <a:srgbClr val="238B45"/>
               </a:solidFill>
@@ -6690,7 +6706,7 @@
         <p:spPr>
           <a:xfrm>
             <a:off x="5713420" y="5780096"/>
-            <a:ext cx="2050004" cy="492443"/>
+            <a:ext cx="2050004" cy="553998"/>
           </a:xfrm>
           <a:prstGeom prst="rect">
             <a:avLst/>
@@ -6705,14 +6721,14 @@
           <a:p>
             <a:pPr algn="ctr"/>
             <a:r>
-              <a:rPr lang="en-US" sz="2600" dirty="0" smtClean="0">
+              <a:rPr lang="en-US" sz="3000" dirty="0" smtClean="0">
                 <a:solidFill>
                   <a:srgbClr val="238B45"/>
                 </a:solidFill>
               </a:rPr>
               <a:t>MetaTracts</a:t>
             </a:r>
-            <a:endParaRPr lang="en-US" sz="2600" dirty="0">
+            <a:endParaRPr lang="en-US" sz="3000" dirty="0">
               <a:solidFill>
                 <a:srgbClr val="238B45"/>
               </a:solidFill>
@@ -6989,9 +7005,9 @@
         <p:grpSpPr>
           <a:xfrm>
             <a:off x="9641035" y="-21025"/>
-            <a:ext cx="2143111" cy="3083191"/>
+            <a:ext cx="2291627" cy="3083191"/>
             <a:chOff x="9421721" y="-21025"/>
-            <a:chExt cx="2143111" cy="3083191"/>
+            <a:chExt cx="2291627" cy="3083191"/>
           </a:xfrm>
         </p:grpSpPr>
         <p:sp>
@@ -7003,7 +7019,7 @@
           <p:spPr>
             <a:xfrm>
               <a:off x="9421721" y="-21025"/>
-              <a:ext cx="2129427" cy="892552"/>
+              <a:ext cx="2291627" cy="1015663"/>
             </a:xfrm>
             <a:prstGeom prst="rect">
               <a:avLst/>
@@ -7018,14 +7034,14 @@
             <a:p>
               <a:pPr algn="ctr"/>
               <a:r>
-                <a:rPr lang="en-US" sz="2600" dirty="0" smtClean="0">
+                <a:rPr lang="en-US" sz="3000" dirty="0" smtClean="0">
                   <a:solidFill>
                     <a:srgbClr val="238B45"/>
                   </a:solidFill>
                 </a:rPr>
                 <a:t>Fiber Bundle Generation</a:t>
               </a:r>
-              <a:endParaRPr lang="en-US" sz="2600" dirty="0">
+              <a:endParaRPr lang="en-US" sz="3000" dirty="0">
                 <a:solidFill>
                   <a:srgbClr val="238B45"/>
                 </a:solidFill>
@@ -7210,10 +7226,10 @@
         </p:nvGrpSpPr>
         <p:grpSpPr>
           <a:xfrm>
-            <a:off x="14879767" y="-21025"/>
-            <a:ext cx="2136241" cy="3083190"/>
-            <a:chOff x="14739523" y="-21025"/>
-            <a:chExt cx="2136241" cy="3083190"/>
+            <a:off x="14743803" y="-21025"/>
+            <a:ext cx="2272205" cy="3083190"/>
+            <a:chOff x="14603559" y="-21025"/>
+            <a:chExt cx="2272205" cy="3083190"/>
           </a:xfrm>
         </p:grpSpPr>
         <p:sp>
@@ -7224,8 +7240,8 @@
           </p:nvSpPr>
           <p:spPr>
             <a:xfrm>
-              <a:off x="14739523" y="-21025"/>
-              <a:ext cx="2136241" cy="892552"/>
+              <a:off x="14603559" y="-21025"/>
+              <a:ext cx="2272205" cy="1015663"/>
             </a:xfrm>
             <a:prstGeom prst="rect">
               <a:avLst/>
@@ -7240,14 +7256,14 @@
             <a:p>
               <a:pPr algn="ctr"/>
               <a:r>
-                <a:rPr lang="en-US" sz="2600" dirty="0" smtClean="0">
+                <a:rPr lang="en-US" sz="3000" dirty="0" smtClean="0">
                   <a:solidFill>
                     <a:srgbClr val="238B45"/>
                   </a:solidFill>
                 </a:rPr>
                 <a:t>Fiber Bundle Visualization</a:t>
               </a:r>
-              <a:endParaRPr lang="en-US" sz="2600" dirty="0">
+              <a:endParaRPr lang="en-US" sz="3000" dirty="0">
                 <a:solidFill>
                   <a:srgbClr val="238B45"/>
                 </a:solidFill>
@@ -7263,9 +7279,9 @@
           </p:nvGrpSpPr>
           <p:grpSpPr>
             <a:xfrm>
-              <a:off x="14739523" y="797868"/>
+              <a:off x="14671541" y="797868"/>
               <a:ext cx="2136241" cy="2264297"/>
-              <a:chOff x="14058235" y="1226022"/>
+              <a:chOff x="13981187" y="1226022"/>
               <a:chExt cx="2421135" cy="2566269"/>
             </a:xfrm>
           </p:grpSpPr>
@@ -7277,7 +7293,7 @@
             </p:nvSpPr>
             <p:spPr>
               <a:xfrm>
-                <a:off x="14058235" y="1316799"/>
+                <a:off x="13981187" y="1316799"/>
                 <a:ext cx="2421135" cy="2475492"/>
               </a:xfrm>
               <a:prstGeom prst="roundRect">
@@ -7344,8 +7360,8 @@
             </p:blipFill>
             <p:spPr>
               <a:xfrm>
-                <a:off x="14143982" y="2643583"/>
-                <a:ext cx="850547" cy="947101"/>
+                <a:off x="14093043" y="2632155"/>
+                <a:ext cx="850546" cy="947101"/>
               </a:xfrm>
               <a:prstGeom prst="rect">
                 <a:avLst/>
@@ -7383,7 +7399,7 @@
             </p:blipFill>
             <p:spPr>
               <a:xfrm>
-                <a:off x="14387004" y="1226022"/>
+                <a:off x="14309956" y="1226022"/>
                 <a:ext cx="1763596" cy="1496221"/>
               </a:xfrm>
               <a:prstGeom prst="rect">
@@ -7421,7 +7437,7 @@
           </p:blipFill>
           <p:spPr>
             <a:xfrm>
-              <a:off x="16121211" y="2133454"/>
+              <a:off x="15996422" y="2157419"/>
               <a:ext cx="639747" cy="729702"/>
             </a:xfrm>
             <a:prstGeom prst="rect">

--- a/workflow.pptx
+++ b/workflow.pptx
@@ -7728,7 +7728,7 @@
             <p:spPr>
               <a:xfrm>
                 <a:off x="89890" y="194418"/>
-                <a:ext cx="2136240" cy="492443"/>
+                <a:ext cx="2136240" cy="553998"/>
               </a:xfrm>
               <a:prstGeom prst="rect">
                 <a:avLst/>
@@ -7743,14 +7743,14 @@
               <a:p>
                 <a:pPr algn="ctr"/>
                 <a:r>
-                  <a:rPr lang="en-US" sz="2600" dirty="0" smtClean="0">
+                  <a:rPr lang="en-US" sz="3000" dirty="0" smtClean="0">
                     <a:solidFill>
                       <a:srgbClr val="238B45"/>
                     </a:solidFill>
                   </a:rPr>
                   <a:t>XCT Data</a:t>
                 </a:r>
-                <a:endParaRPr lang="en-US" sz="2600" dirty="0">
+                <a:endParaRPr lang="en-US" sz="3000" dirty="0">
                   <a:solidFill>
                     <a:srgbClr val="238B45"/>
                   </a:solidFill>
